--- a/Lection 2 - forms/html-формы.pptx
+++ b/Lection 2 - forms/html-формы.pptx
@@ -2468,7 +2468,7 @@
     <mc:Choice Requires="p14">
       <p:transition spd="slow" p14:dur="2000"/>
     </mc:Choice>
-    <mc:Fallback xmlns:p15="http://schemas.microsoft.com/office/powerpoint/2012/main" xmlns="">
+    <mc:Fallback xmlns="" xmlns:p15="http://schemas.microsoft.com/office/powerpoint/2012/main">
       <p:transition spd="slow"/>
     </mc:Fallback>
   </mc:AlternateContent>
@@ -2832,7 +2832,7 @@
     <mc:Choice Requires="p14">
       <p:transition spd="slow" p14:dur="2000"/>
     </mc:Choice>
-    <mc:Fallback xmlns:p15="http://schemas.microsoft.com/office/powerpoint/2012/main" xmlns="">
+    <mc:Fallback xmlns="" xmlns:p15="http://schemas.microsoft.com/office/powerpoint/2012/main">
       <p:transition spd="slow"/>
     </mc:Fallback>
   </mc:AlternateContent>
@@ -3262,7 +3262,7 @@
     <mc:Choice Requires="p14">
       <p:transition spd="slow" p14:dur="2000"/>
     </mc:Choice>
-    <mc:Fallback xmlns:p15="http://schemas.microsoft.com/office/powerpoint/2012/main" xmlns="">
+    <mc:Fallback xmlns="" xmlns:p15="http://schemas.microsoft.com/office/powerpoint/2012/main">
       <p:transition spd="slow"/>
     </mc:Fallback>
   </mc:AlternateContent>
@@ -3520,7 +3520,7 @@
     <mc:Choice Requires="p14">
       <p:transition spd="slow" p14:dur="2000"/>
     </mc:Choice>
-    <mc:Fallback xmlns:p15="http://schemas.microsoft.com/office/powerpoint/2012/main" xmlns="">
+    <mc:Fallback xmlns="" xmlns:p15="http://schemas.microsoft.com/office/powerpoint/2012/main">
       <p:transition spd="slow"/>
     </mc:Fallback>
   </mc:AlternateContent>
@@ -3845,7 +3845,7 @@
     <mc:Choice Requires="p14">
       <p:transition spd="slow" p14:dur="2000"/>
     </mc:Choice>
-    <mc:Fallback xmlns:p15="http://schemas.microsoft.com/office/powerpoint/2012/main" xmlns="">
+    <mc:Fallback xmlns="" xmlns:p15="http://schemas.microsoft.com/office/powerpoint/2012/main">
       <p:transition spd="slow"/>
     </mc:Fallback>
   </mc:AlternateContent>
@@ -4093,7 +4093,7 @@
     <mc:Choice Requires="p14">
       <p:transition spd="slow" p14:dur="2000"/>
     </mc:Choice>
-    <mc:Fallback xmlns:p15="http://schemas.microsoft.com/office/powerpoint/2012/main" xmlns="">
+    <mc:Fallback xmlns="" xmlns:p15="http://schemas.microsoft.com/office/powerpoint/2012/main">
       <p:transition spd="slow"/>
     </mc:Fallback>
   </mc:AlternateContent>
@@ -4388,7 +4388,7 @@
     <mc:Choice Requires="p14">
       <p:transition spd="slow" p14:dur="2000"/>
     </mc:Choice>
-    <mc:Fallback xmlns:p15="http://schemas.microsoft.com/office/powerpoint/2012/main" xmlns="">
+    <mc:Fallback xmlns="" xmlns:p15="http://schemas.microsoft.com/office/powerpoint/2012/main">
       <p:transition spd="slow"/>
     </mc:Fallback>
   </mc:AlternateContent>
@@ -4485,86 +4485,6 @@
           </a:p>
         </p:txBody>
       </p:sp>
-      <p:sp>
-        <p:nvSpPr>
-          <p:cNvPr id="190" name="CustomShape 2"/>
-          <p:cNvSpPr/>
-          <p:nvPr/>
-        </p:nvSpPr>
-        <p:spPr>
-          <a:xfrm>
-            <a:off x="564120" y="1412640"/>
-            <a:ext cx="8570520" cy="762669"/>
-          </a:xfrm>
-          <a:prstGeom prst="rect">
-            <a:avLst/>
-          </a:prstGeom>
-          <a:noFill/>
-          <a:ln>
-            <a:noFill/>
-          </a:ln>
-        </p:spPr>
-        <p:style>
-          <a:lnRef idx="0">
-            <a:scrgbClr r="0" g="0" b="0"/>
-          </a:lnRef>
-          <a:fillRef idx="0">
-            <a:scrgbClr r="0" g="0" b="0"/>
-          </a:fillRef>
-          <a:effectRef idx="0">
-            <a:scrgbClr r="0" g="0" b="0"/>
-          </a:effectRef>
-          <a:fontRef idx="minor"/>
-        </p:style>
-        <p:txBody>
-          <a:bodyPr lIns="90000" tIns="45000" rIns="90000" bIns="45000"/>
-          <a:lstStyle/>
-          <a:p>
-            <a:pPr>
-              <a:lnSpc>
-                <a:spcPct val="160000"/>
-              </a:lnSpc>
-              <a:spcBef>
-                <a:spcPts val="400"/>
-              </a:spcBef>
-            </a:pPr>
-            <a:r>
-              <a:rPr lang="ru-RU" sz="2000" spc="-1" dirty="0">
-                <a:solidFill>
-                  <a:srgbClr val="000000"/>
-                </a:solidFill>
-                <a:latin typeface="Verdana"/>
-              </a:rPr>
-              <a:t>У текстовых полей можно ограничивать длину </a:t>
-            </a:r>
-            <a:r>
-              <a:rPr lang="ru-RU" sz="2000" spc="-1" dirty="0" smtClean="0">
-                <a:solidFill>
-                  <a:srgbClr val="000000"/>
-                </a:solidFill>
-                <a:latin typeface="Verdana"/>
-              </a:rPr>
-              <a:t>значения</a:t>
-            </a:r>
-          </a:p>
-          <a:p>
-            <a:pPr>
-              <a:lnSpc>
-                <a:spcPct val="160000"/>
-              </a:lnSpc>
-              <a:spcBef>
-                <a:spcPts val="400"/>
-              </a:spcBef>
-            </a:pPr>
-            <a:endParaRPr lang="ru-RU" sz="2000" strike="noStrike" spc="-1" dirty="0">
-              <a:solidFill>
-                <a:srgbClr val="000000"/>
-              </a:solidFill>
-              <a:latin typeface="Verdana"/>
-            </a:endParaRPr>
-          </a:p>
-        </p:txBody>
-      </p:sp>
       <p:pic>
         <p:nvPicPr>
           <p:cNvPr id="2" name="Рисунок 1"/>
@@ -4627,7 +4547,7 @@
     <mc:Choice Requires="p14">
       <p:transition spd="slow" p14:dur="2000"/>
     </mc:Choice>
-    <mc:Fallback xmlns:p15="http://schemas.microsoft.com/office/powerpoint/2012/main" xmlns="">
+    <mc:Fallback xmlns="" xmlns:p15="http://schemas.microsoft.com/office/powerpoint/2012/main">
       <p:transition spd="slow"/>
     </mc:Fallback>
   </mc:AlternateContent>
@@ -4893,7 +4813,7 @@
     <mc:Choice Requires="p14">
       <p:transition spd="slow" p14:dur="2000"/>
     </mc:Choice>
-    <mc:Fallback xmlns:p15="http://schemas.microsoft.com/office/powerpoint/2012/main" xmlns="">
+    <mc:Fallback xmlns="" xmlns:p15="http://schemas.microsoft.com/office/powerpoint/2012/main">
       <p:transition spd="slow"/>
     </mc:Fallback>
   </mc:AlternateContent>
@@ -5478,7 +5398,7 @@
     <mc:Choice Requires="p14">
       <p:transition spd="slow" p14:dur="2000"/>
     </mc:Choice>
-    <mc:Fallback xmlns:p15="http://schemas.microsoft.com/office/powerpoint/2012/main" xmlns="">
+    <mc:Fallback xmlns="" xmlns:p15="http://schemas.microsoft.com/office/powerpoint/2012/main">
       <p:transition spd="slow"/>
     </mc:Fallback>
   </mc:AlternateContent>
@@ -5700,7 +5620,7 @@
     <mc:Choice Requires="p14">
       <p:transition spd="slow" p14:dur="2000"/>
     </mc:Choice>
-    <mc:Fallback xmlns:p15="http://schemas.microsoft.com/office/powerpoint/2012/main" xmlns="">
+    <mc:Fallback xmlns="" xmlns:p15="http://schemas.microsoft.com/office/powerpoint/2012/main">
       <p:transition spd="slow"/>
     </mc:Fallback>
   </mc:AlternateContent>
@@ -6196,7 +6116,7 @@
     <mc:Choice Requires="p14">
       <p:transition spd="slow" p14:dur="2000"/>
     </mc:Choice>
-    <mc:Fallback xmlns:p15="http://schemas.microsoft.com/office/powerpoint/2012/main" xmlns="">
+    <mc:Fallback xmlns="" xmlns:p15="http://schemas.microsoft.com/office/powerpoint/2012/main">
       <p:transition spd="slow"/>
     </mc:Fallback>
   </mc:AlternateContent>
@@ -6505,7 +6425,7 @@
     <mc:Choice Requires="p14">
       <p:transition spd="slow" p14:dur="2000"/>
     </mc:Choice>
-    <mc:Fallback xmlns:p15="http://schemas.microsoft.com/office/powerpoint/2012/main" xmlns="">
+    <mc:Fallback xmlns="" xmlns:p15="http://schemas.microsoft.com/office/powerpoint/2012/main">
       <p:transition spd="slow"/>
     </mc:Fallback>
   </mc:AlternateContent>
@@ -6883,7 +6803,7 @@
     <mc:Choice Requires="p14">
       <p:transition spd="slow" p14:dur="2000"/>
     </mc:Choice>
-    <mc:Fallback xmlns:p15="http://schemas.microsoft.com/office/powerpoint/2012/main" xmlns="">
+    <mc:Fallback xmlns="" xmlns:p15="http://schemas.microsoft.com/office/powerpoint/2012/main">
       <p:transition spd="slow"/>
     </mc:Fallback>
   </mc:AlternateContent>
@@ -7336,7 +7256,7 @@
     <mc:Choice Requires="p14">
       <p:transition spd="slow" p14:dur="2000"/>
     </mc:Choice>
-    <mc:Fallback xmlns:p15="http://schemas.microsoft.com/office/powerpoint/2012/main" xmlns="">
+    <mc:Fallback xmlns="" xmlns:p15="http://schemas.microsoft.com/office/powerpoint/2012/main">
       <p:transition spd="slow"/>
     </mc:Fallback>
   </mc:AlternateContent>
@@ -7518,8 +7438,8 @@
         </p:blipFill>
         <p:spPr>
           <a:xfrm>
-            <a:off x="4643322" y="5086951"/>
-            <a:ext cx="4500678" cy="1771049"/>
+            <a:off x="5219362" y="5313627"/>
+            <a:ext cx="3924637" cy="1544373"/>
           </a:xfrm>
           <a:prstGeom prst="rect">
             <a:avLst/>
@@ -7564,7 +7484,7 @@
     <mc:Choice Requires="p14">
       <p:transition spd="slow" p14:dur="2000"/>
     </mc:Choice>
-    <mc:Fallback xmlns:p15="http://schemas.microsoft.com/office/powerpoint/2012/main" xmlns="">
+    <mc:Fallback xmlns="" xmlns:p15="http://schemas.microsoft.com/office/powerpoint/2012/main">
       <p:transition spd="slow"/>
     </mc:Fallback>
   </mc:AlternateContent>
@@ -7867,7 +7787,7 @@
     <mc:Choice Requires="p14">
       <p:transition spd="slow" p14:dur="2000"/>
     </mc:Choice>
-    <mc:Fallback xmlns:p15="http://schemas.microsoft.com/office/powerpoint/2012/main" xmlns="">
+    <mc:Fallback xmlns="" xmlns:p15="http://schemas.microsoft.com/office/powerpoint/2012/main">
       <p:transition spd="slow"/>
     </mc:Fallback>
   </mc:AlternateContent>
@@ -8098,7 +8018,7 @@
     <mc:Choice Requires="p14">
       <p:transition spd="slow" p14:dur="2000"/>
     </mc:Choice>
-    <mc:Fallback xmlns:p15="http://schemas.microsoft.com/office/powerpoint/2012/main" xmlns="">
+    <mc:Fallback xmlns="" xmlns:p15="http://schemas.microsoft.com/office/powerpoint/2012/main">
       <p:transition spd="slow"/>
     </mc:Fallback>
   </mc:AlternateContent>
@@ -8353,7 +8273,7 @@
     <mc:Choice Requires="p14">
       <p:transition spd="slow" p14:dur="2000"/>
     </mc:Choice>
-    <mc:Fallback xmlns:p15="http://schemas.microsoft.com/office/powerpoint/2012/main" xmlns="">
+    <mc:Fallback xmlns="" xmlns:p15="http://schemas.microsoft.com/office/powerpoint/2012/main">
       <p:transition spd="slow"/>
     </mc:Fallback>
   </mc:AlternateContent>
@@ -8695,7 +8615,7 @@
     <mc:Choice Requires="p14">
       <p:transition spd="slow" p14:dur="2000"/>
     </mc:Choice>
-    <mc:Fallback xmlns:p15="http://schemas.microsoft.com/office/powerpoint/2012/main" xmlns="">
+    <mc:Fallback xmlns="" xmlns:p15="http://schemas.microsoft.com/office/powerpoint/2012/main">
       <p:transition spd="slow"/>
     </mc:Fallback>
   </mc:AlternateContent>
@@ -9289,7 +9209,7 @@
     <mc:Choice Requires="p14">
       <p:transition spd="slow" p14:dur="2000"/>
     </mc:Choice>
-    <mc:Fallback xmlns:p15="http://schemas.microsoft.com/office/powerpoint/2012/main" xmlns="">
+    <mc:Fallback xmlns="" xmlns:p15="http://schemas.microsoft.com/office/powerpoint/2012/main">
       <p:transition spd="slow"/>
     </mc:Fallback>
   </mc:AlternateContent>
@@ -9739,7 +9659,7 @@
     <mc:Choice Requires="p14">
       <p:transition spd="slow" p14:dur="2000"/>
     </mc:Choice>
-    <mc:Fallback xmlns:p15="http://schemas.microsoft.com/office/powerpoint/2012/main" xmlns="">
+    <mc:Fallback xmlns="" xmlns:p15="http://schemas.microsoft.com/office/powerpoint/2012/main">
       <p:transition spd="slow"/>
     </mc:Fallback>
   </mc:AlternateContent>
@@ -9928,7 +9848,7 @@
     <mc:Choice Requires="p14">
       <p:transition spd="slow" p14:dur="2000"/>
     </mc:Choice>
-    <mc:Fallback xmlns:p15="http://schemas.microsoft.com/office/powerpoint/2012/main" xmlns="">
+    <mc:Fallback xmlns="" xmlns:p15="http://schemas.microsoft.com/office/powerpoint/2012/main">
       <p:transition spd="slow"/>
     </mc:Fallback>
   </mc:AlternateContent>
@@ -10169,7 +10089,7 @@
       </p:pic>
       <p:pic>
         <p:nvPicPr>
-          <p:cNvPr id="4" name="Рисунок 3"/>
+          <p:cNvPr id="3" name="Рисунок 2"/>
           <p:cNvPicPr>
             <a:picLocks noChangeAspect="1"/>
           </p:cNvPicPr>
@@ -10183,8 +10103,8 @@
         </p:blipFill>
         <p:spPr>
           <a:xfrm>
-            <a:off x="615960" y="1340640"/>
-            <a:ext cx="7878274" cy="2391109"/>
+            <a:off x="1154662" y="1529648"/>
+            <a:ext cx="6512798" cy="2178145"/>
           </a:xfrm>
           <a:prstGeom prst="rect">
             <a:avLst/>
@@ -10200,7 +10120,7 @@
     <mc:Choice Requires="p14">
       <p:transition spd="slow" p14:dur="2000"/>
     </mc:Choice>
-    <mc:Fallback xmlns:p15="http://schemas.microsoft.com/office/powerpoint/2012/main" xmlns="">
+    <mc:Fallback xmlns="" xmlns:p15="http://schemas.microsoft.com/office/powerpoint/2012/main">
       <p:transition spd="slow"/>
     </mc:Fallback>
   </mc:AlternateContent>
@@ -10402,7 +10322,7 @@
     <mc:Choice Requires="p14">
       <p:transition spd="slow" p14:dur="2000"/>
     </mc:Choice>
-    <mc:Fallback xmlns:p15="http://schemas.microsoft.com/office/powerpoint/2012/main" xmlns="">
+    <mc:Fallback xmlns="" xmlns:p15="http://schemas.microsoft.com/office/powerpoint/2012/main">
       <p:transition spd="slow"/>
     </mc:Fallback>
   </mc:AlternateContent>
@@ -10844,7 +10764,7 @@
     <mc:Choice Requires="p14">
       <p:transition spd="slow" p14:dur="2000"/>
     </mc:Choice>
-    <mc:Fallback xmlns:p15="http://schemas.microsoft.com/office/powerpoint/2012/main" xmlns="">
+    <mc:Fallback xmlns="" xmlns:p15="http://schemas.microsoft.com/office/powerpoint/2012/main">
       <p:transition spd="slow"/>
     </mc:Fallback>
   </mc:AlternateContent>
@@ -11028,7 +10948,7 @@
     <mc:Choice Requires="p14">
       <p:transition spd="slow" p14:dur="2000"/>
     </mc:Choice>
-    <mc:Fallback xmlns:p15="http://schemas.microsoft.com/office/powerpoint/2012/main" xmlns="">
+    <mc:Fallback xmlns="" xmlns:p15="http://schemas.microsoft.com/office/powerpoint/2012/main">
       <p:transition spd="slow"/>
     </mc:Fallback>
   </mc:AlternateContent>
@@ -11387,7 +11307,7 @@
     <mc:Choice Requires="p14">
       <p:transition spd="slow" p14:dur="2000"/>
     </mc:Choice>
-    <mc:Fallback xmlns:p15="http://schemas.microsoft.com/office/powerpoint/2012/main" xmlns="">
+    <mc:Fallback xmlns="" xmlns:p15="http://schemas.microsoft.com/office/powerpoint/2012/main">
       <p:transition spd="slow"/>
     </mc:Fallback>
   </mc:AlternateContent>
@@ -15612,7 +15532,7 @@
     <mc:Choice Requires="p14">
       <p:transition spd="slow" p14:dur="2000"/>
     </mc:Choice>
-    <mc:Fallback xmlns:p15="http://schemas.microsoft.com/office/powerpoint/2012/main" xmlns="">
+    <mc:Fallback xmlns="" xmlns:p15="http://schemas.microsoft.com/office/powerpoint/2012/main">
       <p:transition spd="slow"/>
     </mc:Fallback>
   </mc:AlternateContent>
@@ -15820,7 +15740,7 @@
     <mc:Choice Requires="p14">
       <p:transition spd="slow" p14:dur="2000"/>
     </mc:Choice>
-    <mc:Fallback xmlns:p15="http://schemas.microsoft.com/office/powerpoint/2012/main" xmlns="">
+    <mc:Fallback xmlns="" xmlns:p15="http://schemas.microsoft.com/office/powerpoint/2012/main">
       <p:transition spd="slow"/>
     </mc:Fallback>
   </mc:AlternateContent>
@@ -16100,7 +16020,7 @@
     <mc:Choice Requires="p14">
       <p:transition spd="slow" p14:dur="2000"/>
     </mc:Choice>
-    <mc:Fallback xmlns:p15="http://schemas.microsoft.com/office/powerpoint/2012/main" xmlns="">
+    <mc:Fallback xmlns="" xmlns:p15="http://schemas.microsoft.com/office/powerpoint/2012/main">
       <p:transition spd="slow"/>
     </mc:Fallback>
   </mc:AlternateContent>
@@ -16486,7 +16406,7 @@
     <mc:Choice Requires="p14">
       <p:transition spd="slow" p14:dur="2000"/>
     </mc:Choice>
-    <mc:Fallback xmlns:p15="http://schemas.microsoft.com/office/powerpoint/2012/main" xmlns="">
+    <mc:Fallback xmlns="" xmlns:p15="http://schemas.microsoft.com/office/powerpoint/2012/main">
       <p:transition spd="slow"/>
     </mc:Fallback>
   </mc:AlternateContent>
@@ -17063,7 +16983,7 @@
     <mc:Choice Requires="p14">
       <p:transition spd="slow" p14:dur="2000"/>
     </mc:Choice>
-    <mc:Fallback xmlns:p15="http://schemas.microsoft.com/office/powerpoint/2012/main" xmlns="">
+    <mc:Fallback xmlns="" xmlns:p15="http://schemas.microsoft.com/office/powerpoint/2012/main">
       <p:transition spd="slow"/>
     </mc:Fallback>
   </mc:AlternateContent>
@@ -17280,7 +17200,7 @@
     <mc:Choice Requires="p14">
       <p:transition spd="slow" p14:dur="2000"/>
     </mc:Choice>
-    <mc:Fallback xmlns:p15="http://schemas.microsoft.com/office/powerpoint/2012/main" xmlns="">
+    <mc:Fallback xmlns="" xmlns:p15="http://schemas.microsoft.com/office/powerpoint/2012/main">
       <p:transition spd="slow"/>
     </mc:Fallback>
   </mc:AlternateContent>
@@ -17603,7 +17523,7 @@
     <mc:Choice Requires="p14">
       <p:transition spd="slow" p14:dur="2000"/>
     </mc:Choice>
-    <mc:Fallback xmlns:p15="http://schemas.microsoft.com/office/powerpoint/2012/main" xmlns="">
+    <mc:Fallback xmlns="" xmlns:p15="http://schemas.microsoft.com/office/powerpoint/2012/main">
       <p:transition spd="slow"/>
     </mc:Fallback>
   </mc:AlternateContent>
@@ -17692,7 +17612,7 @@
     <mc:Choice Requires="p14">
       <p:transition spd="slow" p14:dur="2000"/>
     </mc:Choice>
-    <mc:Fallback xmlns:p15="http://schemas.microsoft.com/office/powerpoint/2012/main" xmlns="">
+    <mc:Fallback xmlns="" xmlns:p15="http://schemas.microsoft.com/office/powerpoint/2012/main">
       <p:transition spd="slow"/>
     </mc:Fallback>
   </mc:AlternateContent>
@@ -17781,7 +17701,7 @@
     <mc:Choice Requires="p14">
       <p:transition spd="slow" p14:dur="2000"/>
     </mc:Choice>
-    <mc:Fallback xmlns:p15="http://schemas.microsoft.com/office/powerpoint/2012/main" xmlns="">
+    <mc:Fallback xmlns="" xmlns:p15="http://schemas.microsoft.com/office/powerpoint/2012/main">
       <p:transition spd="slow"/>
     </mc:Fallback>
   </mc:AlternateContent>
@@ -17870,7 +17790,7 @@
     <mc:Choice Requires="p14">
       <p:transition spd="slow" p14:dur="2000"/>
     </mc:Choice>
-    <mc:Fallback xmlns:p15="http://schemas.microsoft.com/office/powerpoint/2012/main" xmlns="">
+    <mc:Fallback xmlns="" xmlns:p15="http://schemas.microsoft.com/office/powerpoint/2012/main">
       <p:transition spd="slow"/>
     </mc:Fallback>
   </mc:AlternateContent>
@@ -17959,7 +17879,7 @@
     <mc:Choice Requires="p14">
       <p:transition spd="slow" p14:dur="2000"/>
     </mc:Choice>
-    <mc:Fallback xmlns:p15="http://schemas.microsoft.com/office/powerpoint/2012/main" xmlns="">
+    <mc:Fallback xmlns="" xmlns:p15="http://schemas.microsoft.com/office/powerpoint/2012/main">
       <p:transition spd="slow"/>
     </mc:Fallback>
   </mc:AlternateContent>
@@ -18048,7 +17968,7 @@
     <mc:Choice Requires="p14">
       <p:transition spd="slow" p14:dur="2000"/>
     </mc:Choice>
-    <mc:Fallback xmlns:p15="http://schemas.microsoft.com/office/powerpoint/2012/main" xmlns="">
+    <mc:Fallback xmlns="" xmlns:p15="http://schemas.microsoft.com/office/powerpoint/2012/main">
       <p:transition spd="slow"/>
     </mc:Fallback>
   </mc:AlternateContent>
@@ -18137,7 +18057,7 @@
     <mc:Choice Requires="p14">
       <p:transition spd="slow" p14:dur="2000"/>
     </mc:Choice>
-    <mc:Fallback xmlns:p15="http://schemas.microsoft.com/office/powerpoint/2012/main" xmlns="">
+    <mc:Fallback xmlns="" xmlns:p15="http://schemas.microsoft.com/office/powerpoint/2012/main">
       <p:transition spd="slow"/>
     </mc:Fallback>
   </mc:AlternateContent>
@@ -18226,7 +18146,7 @@
     <mc:Choice Requires="p14">
       <p:transition spd="slow" p14:dur="2000"/>
     </mc:Choice>
-    <mc:Fallback xmlns:p15="http://schemas.microsoft.com/office/powerpoint/2012/main" xmlns="">
+    <mc:Fallback xmlns="" xmlns:p15="http://schemas.microsoft.com/office/powerpoint/2012/main">
       <p:transition spd="slow"/>
     </mc:Fallback>
   </mc:AlternateContent>
@@ -18315,7 +18235,7 @@
     <mc:Choice Requires="p14">
       <p:transition spd="slow" p14:dur="2000"/>
     </mc:Choice>
-    <mc:Fallback xmlns:p15="http://schemas.microsoft.com/office/powerpoint/2012/main" xmlns="">
+    <mc:Fallback xmlns="" xmlns:p15="http://schemas.microsoft.com/office/powerpoint/2012/main">
       <p:transition spd="slow"/>
     </mc:Fallback>
   </mc:AlternateContent>
@@ -18750,7 +18670,7 @@
     <mc:Choice Requires="p14">
       <p:transition spd="slow" p14:dur="2000"/>
     </mc:Choice>
-    <mc:Fallback xmlns:p15="http://schemas.microsoft.com/office/powerpoint/2012/main" xmlns="">
+    <mc:Fallback xmlns="" xmlns:p15="http://schemas.microsoft.com/office/powerpoint/2012/main">
       <p:transition spd="slow"/>
     </mc:Fallback>
   </mc:AlternateContent>
@@ -19280,7 +19200,7 @@
     <mc:Choice Requires="p14">
       <p:transition spd="slow" p14:dur="2000"/>
     </mc:Choice>
-    <mc:Fallback xmlns:p15="http://schemas.microsoft.com/office/powerpoint/2012/main" xmlns="">
+    <mc:Fallback xmlns="" xmlns:p15="http://schemas.microsoft.com/office/powerpoint/2012/main">
       <p:transition spd="slow"/>
     </mc:Fallback>
   </mc:AlternateContent>
@@ -19886,7 +19806,7 @@
     <mc:Choice Requires="p14">
       <p:transition spd="slow" p14:dur="2000"/>
     </mc:Choice>
-    <mc:Fallback xmlns:p15="http://schemas.microsoft.com/office/powerpoint/2012/main" xmlns="">
+    <mc:Fallback xmlns="" xmlns:p15="http://schemas.microsoft.com/office/powerpoint/2012/main">
       <p:transition spd="slow"/>
     </mc:Fallback>
   </mc:AlternateContent>
@@ -20244,7 +20164,7 @@
     <mc:Choice Requires="p14">
       <p:transition spd="slow" p14:dur="2000"/>
     </mc:Choice>
-    <mc:Fallback xmlns:p15="http://schemas.microsoft.com/office/powerpoint/2012/main" xmlns="">
+    <mc:Fallback xmlns="" xmlns:p15="http://schemas.microsoft.com/office/powerpoint/2012/main">
       <p:transition spd="slow"/>
     </mc:Fallback>
   </mc:AlternateContent>
@@ -20535,7 +20455,7 @@
     <mc:Choice Requires="p14">
       <p:transition spd="slow" p14:dur="2000"/>
     </mc:Choice>
-    <mc:Fallback xmlns:p15="http://schemas.microsoft.com/office/powerpoint/2012/main" xmlns="">
+    <mc:Fallback xmlns="" xmlns:p15="http://schemas.microsoft.com/office/powerpoint/2012/main">
       <p:transition spd="slow"/>
     </mc:Fallback>
   </mc:AlternateContent>
